--- a/assets/lectures/cbw/2021/mini/RNASeq_MiniLecture_02_04_alignmentQC.pptx
+++ b/assets/lectures/cbw/2021/mini/RNASeq_MiniLecture_02_04_alignmentQC.pptx
@@ -213,7 +213,7 @@
           <a:p>
             <a:fld id="{6AEFB71E-F1C4-D746-9C58-AFA29060B4FF}" type="datetimeFigureOut">
               <a:rPr lang="en-US" smtClean="0"/>
-              <a:t>6/15/20</a:t>
+              <a:t>9/7/21</a:t>
             </a:fld>
             <a:endParaRPr lang="en-US"/>
           </a:p>
@@ -846,14 +846,14 @@
           </a:ln>
           <a:extLst>
             <a:ext uri="{909E8E84-426E-40dd-AFC4-6F175D3DCCD1}">
-              <a14:hiddenFill xmlns="" xmlns:a14="http://schemas.microsoft.com/office/drawing/2010/main">
+              <a14:hiddenFill xmlns:a14="http://schemas.microsoft.com/office/drawing/2010/main" xmlns="">
                 <a:solidFill>
                   <a:srgbClr val="FFFFFF"/>
                 </a:solidFill>
               </a14:hiddenFill>
             </a:ext>
             <a:ext uri="{FAA26D3D-D897-4be2-8F04-BA451C77F1D7}">
-              <ma14:placeholderFlag xmlns="" xmlns:ma14="http://schemas.microsoft.com/office/mac/drawingml/2011/main" val="1"/>
+              <ma14:placeholderFlag xmlns:ma14="http://schemas.microsoft.com/office/mac/drawingml/2011/main" xmlns="" val="1"/>
             </a:ext>
           </a:extLst>
         </p:spPr>
@@ -872,14 +872,14 @@
           <a:noFill/>
           <a:extLst>
             <a:ext uri="{909E8E84-426E-40dd-AFC4-6F175D3DCCD1}">
-              <a14:hiddenFill xmlns="" xmlns:a14="http://schemas.microsoft.com/office/drawing/2010/main">
+              <a14:hiddenFill xmlns:a14="http://schemas.microsoft.com/office/drawing/2010/main" xmlns="">
                 <a:solidFill>
                   <a:srgbClr val="FFFFFF"/>
                 </a:solidFill>
               </a14:hiddenFill>
             </a:ext>
             <a:ext uri="{91240B29-F687-4f45-9708-019B960494DF}">
-              <a14:hiddenLine xmlns="" xmlns:a14="http://schemas.microsoft.com/office/drawing/2010/main" w="9525">
+              <a14:hiddenLine xmlns:a14="http://schemas.microsoft.com/office/drawing/2010/main" xmlns="" w="9525">
                 <a:solidFill>
                   <a:srgbClr val="000000"/>
                 </a:solidFill>
@@ -889,7 +889,7 @@
               </a14:hiddenLine>
             </a:ext>
             <a:ext uri="{FAA26D3D-D897-4be2-8F04-BA451C77F1D7}">
-              <ma14:placeholderFlag xmlns="" xmlns:ma14="http://schemas.microsoft.com/office/mac/drawingml/2011/main" val="1"/>
+              <ma14:placeholderFlag xmlns:ma14="http://schemas.microsoft.com/office/mac/drawingml/2011/main" xmlns="" val="1"/>
             </a:ext>
           </a:extLst>
         </p:spPr>
@@ -923,14 +923,14 @@
           <a:noFill/>
           <a:extLst>
             <a:ext uri="{909E8E84-426E-40dd-AFC4-6F175D3DCCD1}">
-              <a14:hiddenFill xmlns="" xmlns:a14="http://schemas.microsoft.com/office/drawing/2010/main">
+              <a14:hiddenFill xmlns:a14="http://schemas.microsoft.com/office/drawing/2010/main" xmlns="">
                 <a:solidFill>
                   <a:srgbClr val="FFFFFF"/>
                 </a:solidFill>
               </a14:hiddenFill>
             </a:ext>
             <a:ext uri="{91240B29-F687-4f45-9708-019B960494DF}">
-              <a14:hiddenLine xmlns="" xmlns:a14="http://schemas.microsoft.com/office/drawing/2010/main" w="9525">
+              <a14:hiddenLine xmlns:a14="http://schemas.microsoft.com/office/drawing/2010/main" xmlns="" w="9525">
                 <a:solidFill>
                   <a:srgbClr val="000000"/>
                 </a:solidFill>
@@ -3580,14 +3580,14 @@
           </a:ln>
           <a:extLst>
             <a:ext uri="{909E8E84-426E-40dd-AFC4-6F175D3DCCD1}">
-              <a14:hiddenFill xmlns="" xmlns:a14="http://schemas.microsoft.com/office/drawing/2010/main">
+              <a14:hiddenFill xmlns:a14="http://schemas.microsoft.com/office/drawing/2010/main" xmlns="">
                 <a:solidFill>
                   <a:srgbClr val="FFFFFF"/>
                 </a:solidFill>
               </a14:hiddenFill>
             </a:ext>
             <a:ext uri="{91240B29-F687-4f45-9708-019B960494DF}">
-              <a14:hiddenLine xmlns="" xmlns:a14="http://schemas.microsoft.com/office/drawing/2010/main" w="9525">
+              <a14:hiddenLine xmlns:a14="http://schemas.microsoft.com/office/drawing/2010/main" xmlns="" w="9525">
                 <a:solidFill>
                   <a:srgbClr val="000000"/>
                 </a:solidFill>
@@ -3722,7 +3722,7 @@
                 <a:latin typeface="Calibri" charset="0"/>
                 <a:cs typeface="Calibri" charset="0"/>
               </a:rPr>
-              <a:t>Module 2 </a:t>
+              <a:t>RNA: Module 2 </a:t>
             </a:r>
           </a:p>
         </p:txBody>
@@ -3866,15 +3866,15 @@
               <a:defRPr/>
             </a:pPr>
             <a:r>
-              <a:rPr lang="en-US" sz="1800" b="1" dirty="0">
+              <a:rPr lang="en-US" sz="1800" b="1" dirty="0" err="1">
                 <a:solidFill>
                   <a:schemeClr val="bg1"/>
                 </a:solidFill>
                 <a:cs typeface="Arial" charset="0"/>
               </a:rPr>
-              <a:t>rnabio.org</a:t>
-            </a:r>
-            <a:endParaRPr lang="en-US" sz="1800" dirty="0">
+              <a:t>bioinformatics.ca</a:t>
+            </a:r>
+            <a:endParaRPr lang="en-US" sz="1800" b="1" dirty="0">
               <a:solidFill>
                 <a:schemeClr val="bg1"/>
               </a:solidFill>
@@ -4680,7 +4680,7 @@
           <a:effectLst/>
           <a:extLst>
             <a:ext uri="{909E8E84-426E-40dd-AFC4-6F175D3DCCD1}">
-              <a14:hiddenFill xmlns:a14="http://schemas.microsoft.com/office/drawing/2010/main" xmlns="">
+              <a14:hiddenFill xmlns="" xmlns:a14="http://schemas.microsoft.com/office/drawing/2010/main">
                 <a:blipFill dpi="0" rotWithShape="0">
                   <a:blip/>
                   <a:srcRect/>
@@ -4691,7 +4691,7 @@
               </a14:hiddenFill>
             </a:ext>
             <a:ext uri="{91240B29-F687-4f45-9708-019B960494DF}">
-              <a14:hiddenLine xmlns:a14="http://schemas.microsoft.com/office/drawing/2010/main" xmlns="" w="9525" cap="flat">
+              <a14:hiddenLine xmlns="" xmlns:a14="http://schemas.microsoft.com/office/drawing/2010/main" w="9525" cap="flat">
                 <a:solidFill>
                   <a:srgbClr val="3465A4"/>
                 </a:solidFill>
@@ -4701,7 +4701,7 @@
               </a14:hiddenLine>
             </a:ext>
             <a:ext uri="{AF507438-7753-43e0-B8FC-AC1667EBCBE1}">
-              <a14:hiddenEffects xmlns:a14="http://schemas.microsoft.com/office/drawing/2010/main" xmlns="">
+              <a14:hiddenEffects xmlns="" xmlns:a14="http://schemas.microsoft.com/office/drawing/2010/main">
                 <a:effectLst>
                   <a:outerShdw blurRad="63500" dist="38099" dir="2700000" algn="ctr" rotWithShape="0">
                     <a:srgbClr val="000000">
@@ -5032,7 +5032,7 @@
           <a:effectLst/>
           <a:extLst>
             <a:ext uri="{909E8E84-426E-40dd-AFC4-6F175D3DCCD1}">
-              <a14:hiddenFill xmlns:a14="http://schemas.microsoft.com/office/drawing/2010/main" xmlns="">
+              <a14:hiddenFill xmlns="" xmlns:a14="http://schemas.microsoft.com/office/drawing/2010/main">
                 <a:blipFill dpi="0" rotWithShape="0">
                   <a:blip/>
                   <a:srcRect/>
@@ -5043,7 +5043,7 @@
               </a14:hiddenFill>
             </a:ext>
             <a:ext uri="{91240B29-F687-4f45-9708-019B960494DF}">
-              <a14:hiddenLine xmlns:a14="http://schemas.microsoft.com/office/drawing/2010/main" xmlns="" w="9525" cap="flat">
+              <a14:hiddenLine xmlns="" xmlns:a14="http://schemas.microsoft.com/office/drawing/2010/main" w="9525" cap="flat">
                 <a:solidFill>
                   <a:srgbClr val="3465A4"/>
                 </a:solidFill>
@@ -5053,7 +5053,7 @@
               </a14:hiddenLine>
             </a:ext>
             <a:ext uri="{AF507438-7753-43e0-B8FC-AC1667EBCBE1}">
-              <a14:hiddenEffects xmlns:a14="http://schemas.microsoft.com/office/drawing/2010/main" xmlns="">
+              <a14:hiddenEffects xmlns="" xmlns:a14="http://schemas.microsoft.com/office/drawing/2010/main">
                 <a:effectLst>
                   <a:outerShdw blurRad="63500" dist="38099" dir="2700000" algn="ctr" rotWithShape="0">
                     <a:srgbClr val="000000">
@@ -5095,14 +5095,14 @@
           <a:effectLst/>
           <a:extLst>
             <a:ext uri="{909E8E84-426E-40dd-AFC4-6F175D3DCCD1}">
-              <a14:hiddenFill xmlns:a14="http://schemas.microsoft.com/office/drawing/2010/main" xmlns="">
+              <a14:hiddenFill xmlns="" xmlns:a14="http://schemas.microsoft.com/office/drawing/2010/main">
                 <a:solidFill>
                   <a:srgbClr val="FFFFFF"/>
                 </a:solidFill>
               </a14:hiddenFill>
             </a:ext>
             <a:ext uri="{91240B29-F687-4f45-9708-019B960494DF}">
-              <a14:hiddenLine xmlns:a14="http://schemas.microsoft.com/office/drawing/2010/main" xmlns="" w="9525" cap="flat">
+              <a14:hiddenLine xmlns="" xmlns:a14="http://schemas.microsoft.com/office/drawing/2010/main" w="9525" cap="flat">
                 <a:solidFill>
                   <a:srgbClr val="3465A4"/>
                 </a:solidFill>
@@ -5112,7 +5112,7 @@
               </a14:hiddenLine>
             </a:ext>
             <a:ext uri="{AF507438-7753-43e0-B8FC-AC1667EBCBE1}">
-              <a14:hiddenEffects xmlns:a14="http://schemas.microsoft.com/office/drawing/2010/main" xmlns="">
+              <a14:hiddenEffects xmlns="" xmlns:a14="http://schemas.microsoft.com/office/drawing/2010/main">
                 <a:effectLst>
                   <a:outerShdw blurRad="63500" dist="38099" dir="2700000" algn="ctr" rotWithShape="0">
                     <a:srgbClr val="000000">
@@ -5569,7 +5569,7 @@
           <a:effectLst/>
           <a:extLst>
             <a:ext uri="{909E8E84-426E-40dd-AFC4-6F175D3DCCD1}">
-              <a14:hiddenFill xmlns:a14="http://schemas.microsoft.com/office/drawing/2010/main" xmlns="">
+              <a14:hiddenFill xmlns="" xmlns:a14="http://schemas.microsoft.com/office/drawing/2010/main">
                 <a:blipFill dpi="0" rotWithShape="0">
                   <a:blip/>
                   <a:srcRect/>
@@ -5580,7 +5580,7 @@
               </a14:hiddenFill>
             </a:ext>
             <a:ext uri="{91240B29-F687-4f45-9708-019B960494DF}">
-              <a14:hiddenLine xmlns:a14="http://schemas.microsoft.com/office/drawing/2010/main" xmlns="" w="9525" cap="flat">
+              <a14:hiddenLine xmlns="" xmlns:a14="http://schemas.microsoft.com/office/drawing/2010/main" w="9525" cap="flat">
                 <a:solidFill>
                   <a:srgbClr val="3465A4"/>
                 </a:solidFill>
@@ -5590,7 +5590,7 @@
               </a14:hiddenLine>
             </a:ext>
             <a:ext uri="{AF507438-7753-43e0-B8FC-AC1667EBCBE1}">
-              <a14:hiddenEffects xmlns:a14="http://schemas.microsoft.com/office/drawing/2010/main" xmlns="">
+              <a14:hiddenEffects xmlns="" xmlns:a14="http://schemas.microsoft.com/office/drawing/2010/main">
                 <a:effectLst>
                   <a:outerShdw blurRad="63500" dist="38099" dir="2700000" algn="ctr" rotWithShape="0">
                     <a:srgbClr val="000000">
@@ -5688,14 +5688,14 @@
           <a:effectLst/>
           <a:extLst>
             <a:ext uri="{909E8E84-426E-40dd-AFC4-6F175D3DCCD1}">
-              <a14:hiddenFill xmlns:a14="http://schemas.microsoft.com/office/drawing/2010/main" xmlns="">
+              <a14:hiddenFill xmlns="" xmlns:a14="http://schemas.microsoft.com/office/drawing/2010/main">
                 <a:solidFill>
                   <a:srgbClr val="FFFFFF"/>
                 </a:solidFill>
               </a14:hiddenFill>
             </a:ext>
             <a:ext uri="{91240B29-F687-4f45-9708-019B960494DF}">
-              <a14:hiddenLine xmlns:a14="http://schemas.microsoft.com/office/drawing/2010/main" xmlns="" w="9525" cap="flat">
+              <a14:hiddenLine xmlns="" xmlns:a14="http://schemas.microsoft.com/office/drawing/2010/main" w="9525" cap="flat">
                 <a:solidFill>
                   <a:srgbClr val="000000"/>
                 </a:solidFill>
@@ -5705,7 +5705,7 @@
               </a14:hiddenLine>
             </a:ext>
             <a:ext uri="{AF507438-7753-43e0-B8FC-AC1667EBCBE1}">
-              <a14:hiddenEffects xmlns:a14="http://schemas.microsoft.com/office/drawing/2010/main" xmlns="">
+              <a14:hiddenEffects xmlns="" xmlns:a14="http://schemas.microsoft.com/office/drawing/2010/main">
                 <a:effectLst>
                   <a:outerShdw blurRad="63500" dist="38099" dir="2700000" algn="ctr" rotWithShape="0">
                     <a:srgbClr val="000000">
@@ -6119,7 +6119,7 @@
           <a:effectLst/>
           <a:extLst>
             <a:ext uri="{909E8E84-426E-40dd-AFC4-6F175D3DCCD1}">
-              <a14:hiddenFill xmlns:a14="http://schemas.microsoft.com/office/drawing/2010/main" xmlns="">
+              <a14:hiddenFill xmlns="" xmlns:a14="http://schemas.microsoft.com/office/drawing/2010/main">
                 <a:blipFill dpi="0" rotWithShape="0">
                   <a:blip/>
                   <a:srcRect/>
@@ -6130,7 +6130,7 @@
               </a14:hiddenFill>
             </a:ext>
             <a:ext uri="{91240B29-F687-4f45-9708-019B960494DF}">
-              <a14:hiddenLine xmlns:a14="http://schemas.microsoft.com/office/drawing/2010/main" xmlns="" w="9525" cap="flat">
+              <a14:hiddenLine xmlns="" xmlns:a14="http://schemas.microsoft.com/office/drawing/2010/main" w="9525" cap="flat">
                 <a:solidFill>
                   <a:srgbClr val="3465A4"/>
                 </a:solidFill>
@@ -6140,7 +6140,7 @@
               </a14:hiddenLine>
             </a:ext>
             <a:ext uri="{AF507438-7753-43e0-B8FC-AC1667EBCBE1}">
-              <a14:hiddenEffects xmlns:a14="http://schemas.microsoft.com/office/drawing/2010/main" xmlns="">
+              <a14:hiddenEffects xmlns="" xmlns:a14="http://schemas.microsoft.com/office/drawing/2010/main">
                 <a:effectLst>
                   <a:outerShdw blurRad="63500" dist="38099" dir="2700000" algn="ctr" rotWithShape="0">
                     <a:srgbClr val="000000">
@@ -6195,7 +6195,7 @@
           <a:effectLst/>
           <a:extLst>
             <a:ext uri="{909E8E84-426E-40dd-AFC4-6F175D3DCCD1}">
-              <a14:hiddenFill xmlns:a14="http://schemas.microsoft.com/office/drawing/2010/main" xmlns="">
+              <a14:hiddenFill xmlns="" xmlns:a14="http://schemas.microsoft.com/office/drawing/2010/main">
                 <a:blipFill dpi="0" rotWithShape="0">
                   <a:blip/>
                   <a:srcRect/>
@@ -6206,7 +6206,7 @@
               </a14:hiddenFill>
             </a:ext>
             <a:ext uri="{91240B29-F687-4f45-9708-019B960494DF}">
-              <a14:hiddenLine xmlns:a14="http://schemas.microsoft.com/office/drawing/2010/main" xmlns="" w="9525" cap="flat">
+              <a14:hiddenLine xmlns="" xmlns:a14="http://schemas.microsoft.com/office/drawing/2010/main" w="9525" cap="flat">
                 <a:solidFill>
                   <a:srgbClr val="3465A4"/>
                 </a:solidFill>
@@ -6216,7 +6216,7 @@
               </a14:hiddenLine>
             </a:ext>
             <a:ext uri="{AF507438-7753-43e0-B8FC-AC1667EBCBE1}">
-              <a14:hiddenEffects xmlns:a14="http://schemas.microsoft.com/office/drawing/2010/main" xmlns="">
+              <a14:hiddenEffects xmlns="" xmlns:a14="http://schemas.microsoft.com/office/drawing/2010/main">
                 <a:effectLst>
                   <a:outerShdw blurRad="63500" dist="38099" dir="2700000" algn="ctr" rotWithShape="0">
                     <a:srgbClr val="000000">
@@ -6258,14 +6258,14 @@
           <a:effectLst/>
           <a:extLst>
             <a:ext uri="{909E8E84-426E-40dd-AFC4-6F175D3DCCD1}">
-              <a14:hiddenFill xmlns:a14="http://schemas.microsoft.com/office/drawing/2010/main" xmlns="">
+              <a14:hiddenFill xmlns="" xmlns:a14="http://schemas.microsoft.com/office/drawing/2010/main">
                 <a:solidFill>
                   <a:srgbClr val="FFFFFF"/>
                 </a:solidFill>
               </a14:hiddenFill>
             </a:ext>
             <a:ext uri="{91240B29-F687-4f45-9708-019B960494DF}">
-              <a14:hiddenLine xmlns:a14="http://schemas.microsoft.com/office/drawing/2010/main" xmlns="" w="9525" cap="flat">
+              <a14:hiddenLine xmlns="" xmlns:a14="http://schemas.microsoft.com/office/drawing/2010/main" w="9525" cap="flat">
                 <a:solidFill>
                   <a:srgbClr val="000000"/>
                 </a:solidFill>
@@ -6275,7 +6275,7 @@
               </a14:hiddenLine>
             </a:ext>
             <a:ext uri="{AF507438-7753-43e0-B8FC-AC1667EBCBE1}">
-              <a14:hiddenEffects xmlns:a14="http://schemas.microsoft.com/office/drawing/2010/main" xmlns="">
+              <a14:hiddenEffects xmlns="" xmlns:a14="http://schemas.microsoft.com/office/drawing/2010/main">
                 <a:effectLst>
                   <a:outerShdw blurRad="63500" dist="38099" dir="2700000" algn="ctr" rotWithShape="0">
                     <a:srgbClr val="000000">
@@ -6536,14 +6536,14 @@
           <a:effectLst/>
           <a:extLst>
             <a:ext uri="{909E8E84-426E-40dd-AFC4-6F175D3DCCD1}">
-              <a14:hiddenFill xmlns:a14="http://schemas.microsoft.com/office/drawing/2010/main" xmlns="">
+              <a14:hiddenFill xmlns="" xmlns:a14="http://schemas.microsoft.com/office/drawing/2010/main">
                 <a:solidFill>
                   <a:srgbClr val="FFFFFF"/>
                 </a:solidFill>
               </a14:hiddenFill>
             </a:ext>
             <a:ext uri="{91240B29-F687-4f45-9708-019B960494DF}">
-              <a14:hiddenLine xmlns:a14="http://schemas.microsoft.com/office/drawing/2010/main" xmlns="" w="9525" cap="flat">
+              <a14:hiddenLine xmlns="" xmlns:a14="http://schemas.microsoft.com/office/drawing/2010/main" w="9525" cap="flat">
                 <a:solidFill>
                   <a:srgbClr val="000000"/>
                 </a:solidFill>
@@ -6553,7 +6553,7 @@
               </a14:hiddenLine>
             </a:ext>
             <a:ext uri="{AF507438-7753-43e0-B8FC-AC1667EBCBE1}">
-              <a14:hiddenEffects xmlns:a14="http://schemas.microsoft.com/office/drawing/2010/main" xmlns="">
+              <a14:hiddenEffects xmlns="" xmlns:a14="http://schemas.microsoft.com/office/drawing/2010/main">
                 <a:effectLst>
                   <a:outerShdw blurRad="63500" dist="38099" dir="2700000" algn="ctr" rotWithShape="0">
                     <a:srgbClr val="000000">
@@ -6860,7 +6860,7 @@
           <a:effectLst/>
           <a:extLst>
             <a:ext uri="{909E8E84-426E-40dd-AFC4-6F175D3DCCD1}">
-              <a14:hiddenFill xmlns="" xmlns:a14="http://schemas.microsoft.com/office/drawing/2010/main">
+              <a14:hiddenFill xmlns:a14="http://schemas.microsoft.com/office/drawing/2010/main" xmlns="">
                 <a:blipFill dpi="0" rotWithShape="0">
                   <a:blip/>
                   <a:srcRect/>
@@ -6871,7 +6871,7 @@
               </a14:hiddenFill>
             </a:ext>
             <a:ext uri="{91240B29-F687-4f45-9708-019B960494DF}">
-              <a14:hiddenLine xmlns="" xmlns:a14="http://schemas.microsoft.com/office/drawing/2010/main" w="9525" cap="flat">
+              <a14:hiddenLine xmlns:a14="http://schemas.microsoft.com/office/drawing/2010/main" xmlns="" w="9525" cap="flat">
                 <a:solidFill>
                   <a:srgbClr val="3465A4"/>
                 </a:solidFill>
@@ -6881,7 +6881,7 @@
               </a14:hiddenLine>
             </a:ext>
             <a:ext uri="{AF507438-7753-43e0-B8FC-AC1667EBCBE1}">
-              <a14:hiddenEffects xmlns="" xmlns:a14="http://schemas.microsoft.com/office/drawing/2010/main">
+              <a14:hiddenEffects xmlns:a14="http://schemas.microsoft.com/office/drawing/2010/main" xmlns="">
                 <a:effectLst>
                   <a:outerShdw blurRad="63500" dist="38099" dir="2700000" algn="ctr" rotWithShape="0">
                     <a:srgbClr val="000000">
@@ -6930,7 +6930,7 @@
           <a:effectLst/>
           <a:extLst>
             <a:ext uri="{909E8E84-426E-40dd-AFC4-6F175D3DCCD1}">
-              <a14:hiddenFill xmlns="" xmlns:a14="http://schemas.microsoft.com/office/drawing/2010/main">
+              <a14:hiddenFill xmlns:a14="http://schemas.microsoft.com/office/drawing/2010/main" xmlns="">
                 <a:blipFill dpi="0" rotWithShape="0">
                   <a:blip/>
                   <a:srcRect/>
@@ -6941,7 +6941,7 @@
               </a14:hiddenFill>
             </a:ext>
             <a:ext uri="{91240B29-F687-4f45-9708-019B960494DF}">
-              <a14:hiddenLine xmlns="" xmlns:a14="http://schemas.microsoft.com/office/drawing/2010/main" w="9525" cap="flat">
+              <a14:hiddenLine xmlns:a14="http://schemas.microsoft.com/office/drawing/2010/main" xmlns="" w="9525" cap="flat">
                 <a:solidFill>
                   <a:srgbClr val="3465A4"/>
                 </a:solidFill>
@@ -6951,7 +6951,7 @@
               </a14:hiddenLine>
             </a:ext>
             <a:ext uri="{AF507438-7753-43e0-B8FC-AC1667EBCBE1}">
-              <a14:hiddenEffects xmlns="" xmlns:a14="http://schemas.microsoft.com/office/drawing/2010/main">
+              <a14:hiddenEffects xmlns:a14="http://schemas.microsoft.com/office/drawing/2010/main" xmlns="">
                 <a:effectLst>
                   <a:outerShdw blurRad="63500" dist="38099" dir="2700000" algn="ctr" rotWithShape="0">
                     <a:srgbClr val="000000">
@@ -6987,14 +6987,14 @@
           <a:effectLst/>
           <a:extLst>
             <a:ext uri="{909E8E84-426E-40dd-AFC4-6F175D3DCCD1}">
-              <a14:hiddenFill xmlns="" xmlns:a14="http://schemas.microsoft.com/office/drawing/2010/main">
+              <a14:hiddenFill xmlns:a14="http://schemas.microsoft.com/office/drawing/2010/main" xmlns="">
                 <a:solidFill>
                   <a:srgbClr val="FFFFFF"/>
                 </a:solidFill>
               </a14:hiddenFill>
             </a:ext>
             <a:ext uri="{91240B29-F687-4f45-9708-019B960494DF}">
-              <a14:hiddenLine xmlns="" xmlns:a14="http://schemas.microsoft.com/office/drawing/2010/main" w="9525" cap="flat">
+              <a14:hiddenLine xmlns:a14="http://schemas.microsoft.com/office/drawing/2010/main" xmlns="" w="9525" cap="flat">
                 <a:solidFill>
                   <a:srgbClr val="000000"/>
                 </a:solidFill>
@@ -7004,7 +7004,7 @@
               </a14:hiddenLine>
             </a:ext>
             <a:ext uri="{AF507438-7753-43e0-B8FC-AC1667EBCBE1}">
-              <a14:hiddenEffects xmlns="" xmlns:a14="http://schemas.microsoft.com/office/drawing/2010/main">
+              <a14:hiddenEffects xmlns:a14="http://schemas.microsoft.com/office/drawing/2010/main" xmlns="">
                 <a:effectLst>
                   <a:outerShdw blurRad="63500" dist="38099" dir="2700000" algn="ctr" rotWithShape="0">
                     <a:srgbClr val="000000">
@@ -7405,7 +7405,7 @@
           <a:effectLst/>
           <a:extLst>
             <a:ext uri="{909E8E84-426E-40dd-AFC4-6F175D3DCCD1}">
-              <a14:hiddenFill xmlns="" xmlns:a14="http://schemas.microsoft.com/office/drawing/2010/main">
+              <a14:hiddenFill xmlns:a14="http://schemas.microsoft.com/office/drawing/2010/main" xmlns="">
                 <a:blipFill dpi="0" rotWithShape="0">
                   <a:blip/>
                   <a:srcRect/>
@@ -7416,7 +7416,7 @@
               </a14:hiddenFill>
             </a:ext>
             <a:ext uri="{91240B29-F687-4f45-9708-019B960494DF}">
-              <a14:hiddenLine xmlns="" xmlns:a14="http://schemas.microsoft.com/office/drawing/2010/main" w="9525" cap="flat">
+              <a14:hiddenLine xmlns:a14="http://schemas.microsoft.com/office/drawing/2010/main" xmlns="" w="9525" cap="flat">
                 <a:solidFill>
                   <a:srgbClr val="3465A4"/>
                 </a:solidFill>
@@ -7426,7 +7426,7 @@
               </a14:hiddenLine>
             </a:ext>
             <a:ext uri="{AF507438-7753-43e0-B8FC-AC1667EBCBE1}">
-              <a14:hiddenEffects xmlns="" xmlns:a14="http://schemas.microsoft.com/office/drawing/2010/main">
+              <a14:hiddenEffects xmlns:a14="http://schemas.microsoft.com/office/drawing/2010/main" xmlns="">
                 <a:effectLst>
                   <a:outerShdw blurRad="63500" dist="38099" dir="2700000" algn="ctr" rotWithShape="0">
                     <a:srgbClr val="000000">
@@ -7462,14 +7462,14 @@
           <a:effectLst/>
           <a:extLst>
             <a:ext uri="{909E8E84-426E-40dd-AFC4-6F175D3DCCD1}">
-              <a14:hiddenFill xmlns="" xmlns:a14="http://schemas.microsoft.com/office/drawing/2010/main">
+              <a14:hiddenFill xmlns:a14="http://schemas.microsoft.com/office/drawing/2010/main" xmlns="">
                 <a:solidFill>
                   <a:srgbClr val="FFFFFF"/>
                 </a:solidFill>
               </a14:hiddenFill>
             </a:ext>
             <a:ext uri="{91240B29-F687-4f45-9708-019B960494DF}">
-              <a14:hiddenLine xmlns="" xmlns:a14="http://schemas.microsoft.com/office/drawing/2010/main" w="9525" cap="flat">
+              <a14:hiddenLine xmlns:a14="http://schemas.microsoft.com/office/drawing/2010/main" xmlns="" w="9525" cap="flat">
                 <a:solidFill>
                   <a:srgbClr val="000000"/>
                 </a:solidFill>
@@ -7479,7 +7479,7 @@
               </a14:hiddenLine>
             </a:ext>
             <a:ext uri="{AF507438-7753-43e0-B8FC-AC1667EBCBE1}">
-              <a14:hiddenEffects xmlns="" xmlns:a14="http://schemas.microsoft.com/office/drawing/2010/main">
+              <a14:hiddenEffects xmlns:a14="http://schemas.microsoft.com/office/drawing/2010/main" xmlns="">
                 <a:effectLst>
                   <a:outerShdw blurRad="63500" dist="38099" dir="2700000" algn="ctr" rotWithShape="0">
                     <a:srgbClr val="000000">
@@ -7762,14 +7762,14 @@
           <a:effectLst/>
           <a:extLst>
             <a:ext uri="{909E8E84-426E-40dd-AFC4-6F175D3DCCD1}">
-              <a14:hiddenFill xmlns="" xmlns:a14="http://schemas.microsoft.com/office/drawing/2010/main">
+              <a14:hiddenFill xmlns:a14="http://schemas.microsoft.com/office/drawing/2010/main" xmlns="">
                 <a:solidFill>
                   <a:srgbClr val="FFFFFF"/>
                 </a:solidFill>
               </a14:hiddenFill>
             </a:ext>
             <a:ext uri="{91240B29-F687-4f45-9708-019B960494DF}">
-              <a14:hiddenLine xmlns="" xmlns:a14="http://schemas.microsoft.com/office/drawing/2010/main" w="9525" cap="flat">
+              <a14:hiddenLine xmlns:a14="http://schemas.microsoft.com/office/drawing/2010/main" xmlns="" w="9525" cap="flat">
                 <a:solidFill>
                   <a:srgbClr val="3465A4"/>
                 </a:solidFill>
@@ -7779,7 +7779,7 @@
               </a14:hiddenLine>
             </a:ext>
             <a:ext uri="{AF507438-7753-43e0-B8FC-AC1667EBCBE1}">
-              <a14:hiddenEffects xmlns="" xmlns:a14="http://schemas.microsoft.com/office/drawing/2010/main">
+              <a14:hiddenEffects xmlns:a14="http://schemas.microsoft.com/office/drawing/2010/main" xmlns="">
                 <a:effectLst>
                   <a:outerShdw blurRad="63500" dist="38099" dir="2700000" algn="ctr" rotWithShape="0">
                     <a:srgbClr val="000000">
@@ -8141,14 +8141,14 @@
           </a:ln>
           <a:extLst>
             <a:ext uri="{909E8E84-426E-40dd-AFC4-6F175D3DCCD1}">
-              <a14:hiddenFill xmlns="" xmlns:a14="http://schemas.microsoft.com/office/drawing/2010/main">
+              <a14:hiddenFill xmlns:a14="http://schemas.microsoft.com/office/drawing/2010/main" xmlns="">
                 <a:solidFill>
                   <a:srgbClr val="FFFFFF"/>
                 </a:solidFill>
               </a14:hiddenFill>
             </a:ext>
             <a:ext uri="{91240B29-F687-4f45-9708-019B960494DF}">
-              <a14:hiddenLine xmlns="" xmlns:a14="http://schemas.microsoft.com/office/drawing/2010/main" w="9525">
+              <a14:hiddenLine xmlns:a14="http://schemas.microsoft.com/office/drawing/2010/main" xmlns="" w="9525">
                 <a:solidFill>
                   <a:srgbClr val="000000"/>
                 </a:solidFill>
@@ -8422,13 +8422,19 @@
       </p:sp>
       <p:sp>
         <p:nvSpPr>
-          <p:cNvPr id="100" name="Google Shape;100;p5"/>
+          <p:cNvPr id="8" name="Google Shape;100;p5">
+            <a:extLst>
+              <a:ext uri="{FF2B5EF4-FFF2-40B4-BE49-F238E27FC236}">
+                <a16:creationId xmlns:a16="http://schemas.microsoft.com/office/drawing/2014/main" id="{070AC889-D4FC-E44D-8F1E-6DC6766E142B}"/>
+              </a:ext>
+            </a:extLst>
+          </p:cNvPr>
           <p:cNvSpPr txBox="1"/>
           <p:nvPr/>
         </p:nvSpPr>
         <p:spPr>
           <a:xfrm>
-            <a:off x="790832" y="3966519"/>
+            <a:off x="794951" y="3448906"/>
             <a:ext cx="10602098" cy="369332"/>
           </a:xfrm>
           <a:prstGeom prst="rect">
@@ -8455,7 +8461,7 @@
               <a:buNone/>
             </a:pPr>
             <a:r>
-              <a:rPr lang="en-US" sz="1800">
+              <a:rPr lang="en-US" sz="1800" dirty="0">
                 <a:solidFill>
                   <a:schemeClr val="dk1"/>
                 </a:solidFill>
@@ -8466,116 +8472,290 @@
               </a:rPr>
               <a:t>Workshop Sponsors:</a:t>
             </a:r>
-            <a:endParaRPr/>
+            <a:endParaRPr dirty="0"/>
           </a:p>
         </p:txBody>
       </p:sp>
       <p:pic>
         <p:nvPicPr>
-          <p:cNvPr id="101" name="Google Shape;101;p5"/>
-          <p:cNvPicPr preferRelativeResize="0"/>
+          <p:cNvPr id="9" name="Picture 2">
+            <a:extLst>
+              <a:ext uri="{FF2B5EF4-FFF2-40B4-BE49-F238E27FC236}">
+                <a16:creationId xmlns:a16="http://schemas.microsoft.com/office/drawing/2014/main" id="{527DEF2E-5DB2-8741-A59B-949B9273C2B0}"/>
+              </a:ext>
+            </a:extLst>
+          </p:cNvPr>
+          <p:cNvPicPr>
+            <a:picLocks noChangeAspect="1" noChangeArrowheads="1"/>
+          </p:cNvPicPr>
           <p:nvPr/>
         </p:nvPicPr>
-        <p:blipFill rotWithShape="1">
+        <p:blipFill>
           <a:blip r:embed="rId3">
-            <a:alphaModFix/>
+            <a:extLst>
+              <a:ext uri="{28A0092B-C50C-407E-A947-70E740481C1C}">
+                <a14:useLocalDpi xmlns:a14="http://schemas.microsoft.com/office/drawing/2010/main" val="0"/>
+              </a:ext>
+            </a:extLst>
           </a:blip>
           <a:srcRect/>
-          <a:stretch/>
+          <a:stretch>
+            <a:fillRect/>
+          </a:stretch>
         </p:blipFill>
-        <p:spPr>
+        <p:spPr bwMode="auto">
           <a:xfrm>
-            <a:off x="2514600" y="4517673"/>
-            <a:ext cx="1676400" cy="1206500"/>
+            <a:off x="3389395" y="4199772"/>
+            <a:ext cx="1719035" cy="1621600"/>
           </a:xfrm>
           <a:prstGeom prst="rect">
             <a:avLst/>
           </a:prstGeom>
           <a:noFill/>
-          <a:ln>
-            <a:noFill/>
-          </a:ln>
+          <a:extLst>
+            <a:ext uri="{909E8E84-426E-40DD-AFC4-6F175D3DCCD1}">
+              <a14:hiddenFill xmlns:a14="http://schemas.microsoft.com/office/drawing/2010/main">
+                <a:solidFill>
+                  <a:srgbClr val="FFFFFF"/>
+                </a:solidFill>
+              </a14:hiddenFill>
+            </a:ext>
+          </a:extLst>
         </p:spPr>
       </p:pic>
       <p:pic>
         <p:nvPicPr>
-          <p:cNvPr id="102" name="Google Shape;102;p5"/>
-          <p:cNvPicPr preferRelativeResize="0"/>
+          <p:cNvPr id="10" name="Picture 3">
+            <a:extLst>
+              <a:ext uri="{FF2B5EF4-FFF2-40B4-BE49-F238E27FC236}">
+                <a16:creationId xmlns:a16="http://schemas.microsoft.com/office/drawing/2014/main" id="{120FBEA0-7422-5D4D-9999-FB3E778AC181}"/>
+              </a:ext>
+            </a:extLst>
+          </p:cNvPr>
+          <p:cNvPicPr>
+            <a:picLocks noChangeAspect="1" noChangeArrowheads="1"/>
+          </p:cNvPicPr>
           <p:nvPr/>
         </p:nvPicPr>
-        <p:blipFill rotWithShape="1">
+        <p:blipFill>
           <a:blip r:embed="rId4">
-            <a:alphaModFix/>
+            <a:extLst>
+              <a:ext uri="{28A0092B-C50C-407E-A947-70E740481C1C}">
+                <a14:useLocalDpi xmlns:a14="http://schemas.microsoft.com/office/drawing/2010/main" val="0"/>
+              </a:ext>
+            </a:extLst>
           </a:blip>
           <a:srcRect/>
-          <a:stretch/>
+          <a:stretch>
+            <a:fillRect/>
+          </a:stretch>
         </p:blipFill>
-        <p:spPr>
+        <p:spPr bwMode="auto">
           <a:xfrm>
-            <a:off x="4781024" y="4858491"/>
-            <a:ext cx="2781300" cy="787400"/>
+            <a:off x="5693506" y="4234674"/>
+            <a:ext cx="1895957" cy="1375431"/>
           </a:xfrm>
           <a:prstGeom prst="rect">
             <a:avLst/>
           </a:prstGeom>
           <a:noFill/>
-          <a:ln>
-            <a:noFill/>
-          </a:ln>
+          <a:extLst>
+            <a:ext uri="{909E8E84-426E-40DD-AFC4-6F175D3DCCD1}">
+              <a14:hiddenFill xmlns:a14="http://schemas.microsoft.com/office/drawing/2010/main">
+                <a:solidFill>
+                  <a:srgbClr val="FFFFFF"/>
+                </a:solidFill>
+              </a14:hiddenFill>
+            </a:ext>
+          </a:extLst>
         </p:spPr>
       </p:pic>
       <p:pic>
         <p:nvPicPr>
-          <p:cNvPr id="103" name="Google Shape;103;p5"/>
-          <p:cNvPicPr preferRelativeResize="0"/>
+          <p:cNvPr id="11" name="Picture 4">
+            <a:extLst>
+              <a:ext uri="{FF2B5EF4-FFF2-40B4-BE49-F238E27FC236}">
+                <a16:creationId xmlns:a16="http://schemas.microsoft.com/office/drawing/2014/main" id="{3975F2AD-D08E-F841-952C-61F30B7A8944}"/>
+              </a:ext>
+            </a:extLst>
+          </p:cNvPr>
+          <p:cNvPicPr>
+            <a:picLocks noChangeAspect="1" noChangeArrowheads="1"/>
+          </p:cNvPicPr>
           <p:nvPr/>
         </p:nvPicPr>
-        <p:blipFill rotWithShape="1">
+        <p:blipFill>
           <a:blip r:embed="rId5">
-            <a:alphaModFix/>
+            <a:extLst>
+              <a:ext uri="{28A0092B-C50C-407E-A947-70E740481C1C}">
+                <a14:useLocalDpi xmlns:a14="http://schemas.microsoft.com/office/drawing/2010/main" val="0"/>
+              </a:ext>
+            </a:extLst>
           </a:blip>
           <a:srcRect/>
-          <a:stretch/>
+          <a:stretch>
+            <a:fillRect/>
+          </a:stretch>
         </p:blipFill>
-        <p:spPr>
+        <p:spPr bwMode="auto">
           <a:xfrm>
-            <a:off x="7819767" y="4660327"/>
-            <a:ext cx="3114941" cy="1126171"/>
+            <a:off x="8309003" y="3501184"/>
+            <a:ext cx="3764337" cy="1375431"/>
           </a:xfrm>
           <a:prstGeom prst="rect">
             <a:avLst/>
           </a:prstGeom>
           <a:noFill/>
-          <a:ln>
-            <a:noFill/>
-          </a:ln>
+          <a:extLst>
+            <a:ext uri="{909E8E84-426E-40DD-AFC4-6F175D3DCCD1}">
+              <a14:hiddenFill xmlns:a14="http://schemas.microsoft.com/office/drawing/2010/main">
+                <a:solidFill>
+                  <a:srgbClr val="FFFFFF"/>
+                </a:solidFill>
+              </a14:hiddenFill>
+            </a:ext>
+          </a:extLst>
         </p:spPr>
       </p:pic>
       <p:pic>
         <p:nvPicPr>
-          <p:cNvPr id="105" name="Google Shape;105;p5" descr="Comp_Ca"/>
-          <p:cNvPicPr preferRelativeResize="0"/>
+          <p:cNvPr id="12" name="Picture 5">
+            <a:extLst>
+              <a:ext uri="{FF2B5EF4-FFF2-40B4-BE49-F238E27FC236}">
+                <a16:creationId xmlns:a16="http://schemas.microsoft.com/office/drawing/2014/main" id="{2F5071BE-80C0-8D47-A0E1-C4B2081E3C36}"/>
+              </a:ext>
+            </a:extLst>
+          </p:cNvPr>
+          <p:cNvPicPr>
+            <a:picLocks noChangeAspect="1" noChangeArrowheads="1"/>
+          </p:cNvPicPr>
           <p:nvPr/>
         </p:nvPicPr>
-        <p:blipFill rotWithShape="1">
+        <p:blipFill>
           <a:blip r:embed="rId6">
-            <a:alphaModFix/>
+            <a:extLst>
+              <a:ext uri="{28A0092B-C50C-407E-A947-70E740481C1C}">
+                <a14:useLocalDpi xmlns:a14="http://schemas.microsoft.com/office/drawing/2010/main" val="0"/>
+              </a:ext>
+            </a:extLst>
           </a:blip>
           <a:srcRect/>
-          <a:stretch/>
+          <a:stretch>
+            <a:fillRect/>
+          </a:stretch>
         </p:blipFill>
-        <p:spPr>
+        <p:spPr bwMode="auto">
           <a:xfrm>
-            <a:off x="445006" y="4545552"/>
-            <a:ext cx="1183055" cy="1510030"/>
+            <a:off x="259096" y="4057148"/>
+            <a:ext cx="2275780" cy="648001"/>
           </a:xfrm>
           <a:prstGeom prst="rect">
             <a:avLst/>
           </a:prstGeom>
           <a:noFill/>
-          <a:ln>
-            <a:noFill/>
-          </a:ln>
+          <a:extLst>
+            <a:ext uri="{909E8E84-426E-40DD-AFC4-6F175D3DCCD1}">
+              <a14:hiddenFill xmlns:a14="http://schemas.microsoft.com/office/drawing/2010/main">
+                <a:solidFill>
+                  <a:srgbClr val="FFFFFF"/>
+                </a:solidFill>
+              </a14:hiddenFill>
+            </a:ext>
+          </a:extLst>
+        </p:spPr>
+      </p:pic>
+      <p:pic>
+        <p:nvPicPr>
+          <p:cNvPr id="13" name="Picture 6">
+            <a:extLst>
+              <a:ext uri="{FF2B5EF4-FFF2-40B4-BE49-F238E27FC236}">
+                <a16:creationId xmlns:a16="http://schemas.microsoft.com/office/drawing/2014/main" id="{2822AF1C-39FD-324F-8428-94659B5B7737}"/>
+              </a:ext>
+            </a:extLst>
+          </p:cNvPr>
+          <p:cNvPicPr>
+            <a:picLocks noChangeAspect="1" noChangeArrowheads="1"/>
+          </p:cNvPicPr>
+          <p:nvPr/>
+        </p:nvPicPr>
+        <p:blipFill>
+          <a:blip r:embed="rId7">
+            <a:extLst>
+              <a:ext uri="{28A0092B-C50C-407E-A947-70E740481C1C}">
+                <a14:useLocalDpi xmlns:a14="http://schemas.microsoft.com/office/drawing/2010/main" val="0"/>
+              </a:ext>
+            </a:extLst>
+          </a:blip>
+          <a:srcRect/>
+          <a:stretch>
+            <a:fillRect/>
+          </a:stretch>
+        </p:blipFill>
+        <p:spPr bwMode="auto">
+          <a:xfrm>
+            <a:off x="8933308" y="4644230"/>
+            <a:ext cx="2420492" cy="1610728"/>
+          </a:xfrm>
+          <a:prstGeom prst="rect">
+            <a:avLst/>
+          </a:prstGeom>
+          <a:noFill/>
+          <a:extLst>
+            <a:ext uri="{909E8E84-426E-40DD-AFC4-6F175D3DCCD1}">
+              <a14:hiddenFill xmlns:a14="http://schemas.microsoft.com/office/drawing/2010/main">
+                <a:solidFill>
+                  <a:srgbClr val="FFFFFF"/>
+                </a:solidFill>
+              </a14:hiddenFill>
+            </a:ext>
+          </a:extLst>
+        </p:spPr>
+      </p:pic>
+      <p:pic>
+        <p:nvPicPr>
+          <p:cNvPr id="14" name="Picture 7">
+            <a:extLst>
+              <a:ext uri="{FF2B5EF4-FFF2-40B4-BE49-F238E27FC236}">
+                <a16:creationId xmlns:a16="http://schemas.microsoft.com/office/drawing/2014/main" id="{2AA54743-300B-564C-821F-1A8F32A7B20D}"/>
+              </a:ext>
+            </a:extLst>
+          </p:cNvPr>
+          <p:cNvPicPr>
+            <a:picLocks noChangeAspect="1" noChangeArrowheads="1"/>
+          </p:cNvPicPr>
+          <p:nvPr/>
+        </p:nvPicPr>
+        <p:blipFill>
+          <a:blip r:embed="rId8">
+            <a:extLst>
+              <a:ext uri="{28A0092B-C50C-407E-A947-70E740481C1C}">
+                <a14:useLocalDpi xmlns:a14="http://schemas.microsoft.com/office/drawing/2010/main" val="0"/>
+              </a:ext>
+            </a:extLst>
+          </a:blip>
+          <a:srcRect/>
+          <a:stretch>
+            <a:fillRect/>
+          </a:stretch>
+        </p:blipFill>
+        <p:spPr bwMode="auto">
+          <a:xfrm>
+            <a:off x="1307903" y="4898276"/>
+            <a:ext cx="1475294" cy="1423658"/>
+          </a:xfrm>
+          <a:prstGeom prst="rect">
+            <a:avLst/>
+          </a:prstGeom>
+          <a:noFill/>
+          <a:extLst>
+            <a:ext uri="{909E8E84-426E-40DD-AFC4-6F175D3DCCD1}">
+              <a14:hiddenFill xmlns:a14="http://schemas.microsoft.com/office/drawing/2010/main">
+                <a:solidFill>
+                  <a:srgbClr val="FFFFFF"/>
+                </a:solidFill>
+              </a14:hiddenFill>
+            </a:ext>
+          </a:extLst>
         </p:spPr>
       </p:pic>
     </p:spTree>
@@ -8750,115 +8930,75 @@
                 <a:solidFill>
                   <a:schemeClr val="lt1"/>
                 </a:solidFill>
-                <a:latin typeface="Calibri" panose="020F0502020204030204" pitchFamily="34" charset="0"/>
-                <a:cs typeface="Calibri" panose="020F0502020204030204" pitchFamily="34" charset="0"/>
               </a:rPr>
-              <a:t>Kelsy Cotto, Obi Griffith, Malachi Griffith, Saad Khan, Allegra Petti, </a:t>
-            </a:r>
-            <a:r>
-              <a:rPr lang="en-US" sz="1800" dirty="0" err="1">
-                <a:solidFill>
-                  <a:schemeClr val="lt1"/>
-                </a:solidFill>
-                <a:latin typeface="Calibri" panose="020F0502020204030204" pitchFamily="34" charset="0"/>
-                <a:cs typeface="Calibri" panose="020F0502020204030204" pitchFamily="34" charset="0"/>
-              </a:rPr>
-              <a:t>Huiming</a:t>
-            </a:r>
-            <a:r>
-              <a:rPr lang="en-US" sz="1800" dirty="0">
-                <a:solidFill>
-                  <a:schemeClr val="lt1"/>
-                </a:solidFill>
-                <a:latin typeface="Calibri" panose="020F0502020204030204" pitchFamily="34" charset="0"/>
-                <a:cs typeface="Calibri" panose="020F0502020204030204" pitchFamily="34" charset="0"/>
-              </a:rPr>
-              <a:t> Xia </a:t>
-            </a:r>
-          </a:p>
-          <a:p>
-            <a:pPr marL="0" lvl="0" indent="0" algn="r" rtl="0">
-              <a:lnSpc>
-                <a:spcPct val="90000"/>
-              </a:lnSpc>
-              <a:spcBef>
-                <a:spcPts val="1000"/>
-              </a:spcBef>
-              <a:spcAft>
-                <a:spcPts val="0"/>
-              </a:spcAft>
+              <a:t>Emma Bell, Felicia Gomez, Obi Griffith, Malachi Griffith, Huiming Xia </a:t>
+            </a:r>
+          </a:p>
+          <a:p>
+            <a:pPr lvl="0" algn="r">
               <a:buClr>
                 <a:schemeClr val="lt1"/>
               </a:buClr>
               <a:buSzPts val="2400"/>
-              <a:buNone/>
             </a:pPr>
             <a:r>
-              <a:rPr lang="en-US" dirty="0">
+              <a:rPr lang="en-US" sz="1800" dirty="0">
                 <a:solidFill>
                   <a:schemeClr val="lt1"/>
                 </a:solidFill>
-                <a:latin typeface="Calibri" panose="020F0502020204030204" pitchFamily="34" charset="0"/>
-                <a:cs typeface="Calibri" panose="020F0502020204030204" pitchFamily="34" charset="0"/>
               </a:rPr>
-              <a:t>Informatics for RNA-</a:t>
-            </a:r>
-            <a:r>
-              <a:rPr lang="en-US" dirty="0" err="1">
-                <a:solidFill>
-                  <a:schemeClr val="lt1"/>
-                </a:solidFill>
-                <a:latin typeface="Calibri" panose="020F0502020204030204" pitchFamily="34" charset="0"/>
-                <a:cs typeface="Calibri" panose="020F0502020204030204" pitchFamily="34" charset="0"/>
-              </a:rPr>
-              <a:t>seq</a:t>
-            </a:r>
-            <a:r>
-              <a:rPr lang="en-US" dirty="0">
-                <a:solidFill>
-                  <a:schemeClr val="lt1"/>
-                </a:solidFill>
-                <a:latin typeface="Calibri" panose="020F0502020204030204" pitchFamily="34" charset="0"/>
-                <a:cs typeface="Calibri" panose="020F0502020204030204" pitchFamily="34" charset="0"/>
-              </a:rPr>
-              <a:t> Analysis</a:t>
-            </a:r>
-            <a:endParaRPr lang="en-US" dirty="0">
-              <a:latin typeface="Calibri" panose="020F0502020204030204" pitchFamily="34" charset="0"/>
-              <a:cs typeface="Calibri" panose="020F0502020204030204" pitchFamily="34" charset="0"/>
-            </a:endParaRPr>
-          </a:p>
-          <a:p>
-            <a:pPr marL="0" lvl="0" indent="0" algn="r" rtl="0">
-              <a:lnSpc>
-                <a:spcPct val="90000"/>
-              </a:lnSpc>
-              <a:spcBef>
-                <a:spcPts val="1000"/>
-              </a:spcBef>
-              <a:spcAft>
-                <a:spcPts val="0"/>
-              </a:spcAft>
+              <a:t>RNA-Seq Analysis</a:t>
+            </a:r>
+            <a:endParaRPr lang="en-US" sz="1800" dirty="0"/>
+          </a:p>
+          <a:p>
+            <a:pPr lvl="0" algn="r">
               <a:buClr>
                 <a:schemeClr val="lt1"/>
               </a:buClr>
               <a:buSzPts val="2400"/>
-              <a:buNone/>
             </a:pPr>
             <a:r>
-              <a:rPr lang="en-US" dirty="0">
+              <a:rPr lang="en-US" sz="1800" dirty="0">
                 <a:solidFill>
                   <a:schemeClr val="lt1"/>
                 </a:solidFill>
-                <a:latin typeface="Calibri" panose="020F0502020204030204" pitchFamily="34" charset="0"/>
-                <a:cs typeface="Calibri" panose="020F0502020204030204" pitchFamily="34" charset="0"/>
               </a:rPr>
-              <a:t>June 17-19, 2020</a:t>
-            </a:r>
-            <a:endParaRPr dirty="0">
-              <a:latin typeface="Calibri" panose="020F0502020204030204" pitchFamily="34" charset="0"/>
-              <a:cs typeface="Calibri" panose="020F0502020204030204" pitchFamily="34" charset="0"/>
-            </a:endParaRPr>
+              <a:t>Sep 8</a:t>
+            </a:r>
+            <a:r>
+              <a:rPr lang="en-US" sz="1800" baseline="30000" dirty="0">
+                <a:solidFill>
+                  <a:schemeClr val="lt1"/>
+                </a:solidFill>
+              </a:rPr>
+              <a:t>th</a:t>
+            </a:r>
+            <a:r>
+              <a:rPr lang="en-US" sz="1800" dirty="0">
+                <a:solidFill>
+                  <a:schemeClr val="lt1"/>
+                </a:solidFill>
+              </a:rPr>
+              <a:t>-10</a:t>
+            </a:r>
+            <a:r>
+              <a:rPr lang="en-US" sz="1800" baseline="30000" dirty="0">
+                <a:solidFill>
+                  <a:schemeClr val="lt1"/>
+                </a:solidFill>
+              </a:rPr>
+              <a:t>th</a:t>
+            </a:r>
+            <a:r>
+              <a:rPr lang="en-US" sz="1800" dirty="0">
+                <a:solidFill>
+                  <a:schemeClr val="lt1"/>
+                </a:solidFill>
+              </a:rPr>
+              <a:t>, 2021</a:t>
+            </a:r>
+            <a:endParaRPr lang="en-US" sz="1800" dirty="0"/>
           </a:p>
         </p:txBody>
       </p:sp>
@@ -8994,14 +9134,14 @@
           </a:ln>
           <a:extLst>
             <a:ext uri="{909E8E84-426E-40dd-AFC4-6F175D3DCCD1}">
-              <a14:hiddenFill xmlns:a14="http://schemas.microsoft.com/office/drawing/2010/main" xmlns="">
+              <a14:hiddenFill xmlns="" xmlns:a14="http://schemas.microsoft.com/office/drawing/2010/main">
                 <a:solidFill>
                   <a:srgbClr val="FFFFFF"/>
                 </a:solidFill>
               </a14:hiddenFill>
             </a:ext>
             <a:ext uri="{91240B29-F687-4f45-9708-019B960494DF}">
-              <a14:hiddenLine xmlns:a14="http://schemas.microsoft.com/office/drawing/2010/main" xmlns="" w="9525">
+              <a14:hiddenLine xmlns="" xmlns:a14="http://schemas.microsoft.com/office/drawing/2010/main" w="9525">
                 <a:solidFill>
                   <a:srgbClr val="000000"/>
                 </a:solidFill>
@@ -9346,14 +9486,14 @@
           </a:ln>
           <a:extLst>
             <a:ext uri="{909E8E84-426E-40dd-AFC4-6F175D3DCCD1}">
-              <a14:hiddenFill xmlns="" xmlns:a14="http://schemas.microsoft.com/office/drawing/2010/main">
+              <a14:hiddenFill xmlns:a14="http://schemas.microsoft.com/office/drawing/2010/main" xmlns="">
                 <a:solidFill>
                   <a:srgbClr val="FFFFFF"/>
                 </a:solidFill>
               </a14:hiddenFill>
             </a:ext>
             <a:ext uri="{91240B29-F687-4f45-9708-019B960494DF}">
-              <a14:hiddenLine xmlns="" xmlns:a14="http://schemas.microsoft.com/office/drawing/2010/main" w="9525">
+              <a14:hiddenLine xmlns:a14="http://schemas.microsoft.com/office/drawing/2010/main" xmlns="" w="9525">
                 <a:solidFill>
                   <a:srgbClr val="000000"/>
                 </a:solidFill>
@@ -9542,14 +9682,14 @@
           </a:ln>
           <a:extLst>
             <a:ext uri="{909E8E84-426E-40dd-AFC4-6F175D3DCCD1}">
-              <a14:hiddenFill xmlns="" xmlns:a14="http://schemas.microsoft.com/office/drawing/2010/main">
+              <a14:hiddenFill xmlns:a14="http://schemas.microsoft.com/office/drawing/2010/main" xmlns="">
                 <a:solidFill>
                   <a:srgbClr val="FFFFFF"/>
                 </a:solidFill>
               </a14:hiddenFill>
             </a:ext>
             <a:ext uri="{91240B29-F687-4f45-9708-019B960494DF}">
-              <a14:hiddenLine xmlns="" xmlns:a14="http://schemas.microsoft.com/office/drawing/2010/main" w="9525">
+              <a14:hiddenLine xmlns:a14="http://schemas.microsoft.com/office/drawing/2010/main" xmlns="" w="9525">
                 <a:solidFill>
                   <a:srgbClr val="000000"/>
                 </a:solidFill>
@@ -9738,14 +9878,14 @@
           </a:ln>
           <a:extLst>
             <a:ext uri="{909E8E84-426E-40dd-AFC4-6F175D3DCCD1}">
-              <a14:hiddenFill xmlns="" xmlns:a14="http://schemas.microsoft.com/office/drawing/2010/main">
+              <a14:hiddenFill xmlns:a14="http://schemas.microsoft.com/office/drawing/2010/main" xmlns="">
                 <a:solidFill>
                   <a:srgbClr val="FFFFFF"/>
                 </a:solidFill>
               </a14:hiddenFill>
             </a:ext>
             <a:ext uri="{91240B29-F687-4f45-9708-019B960494DF}">
-              <a14:hiddenLine xmlns="" xmlns:a14="http://schemas.microsoft.com/office/drawing/2010/main" w="9525">
+              <a14:hiddenLine xmlns:a14="http://schemas.microsoft.com/office/drawing/2010/main" xmlns="" w="9525">
                 <a:solidFill>
                   <a:srgbClr val="000000"/>
                 </a:solidFill>
@@ -9899,14 +10039,14 @@
           </a:ln>
           <a:extLst>
             <a:ext uri="{909E8E84-426E-40dd-AFC4-6F175D3DCCD1}">
-              <a14:hiddenFill xmlns="" xmlns:a14="http://schemas.microsoft.com/office/drawing/2010/main">
+              <a14:hiddenFill xmlns:a14="http://schemas.microsoft.com/office/drawing/2010/main" xmlns="">
                 <a:solidFill>
                   <a:srgbClr val="FFFFFF"/>
                 </a:solidFill>
               </a14:hiddenFill>
             </a:ext>
             <a:ext uri="{91240B29-F687-4f45-9708-019B960494DF}">
-              <a14:hiddenLine xmlns="" xmlns:a14="http://schemas.microsoft.com/office/drawing/2010/main" w="9525">
+              <a14:hiddenLine xmlns:a14="http://schemas.microsoft.com/office/drawing/2010/main" xmlns="" w="9525">
                 <a:solidFill>
                   <a:srgbClr val="000000"/>
                 </a:solidFill>
@@ -10095,14 +10235,14 @@
           </a:ln>
           <a:extLst>
             <a:ext uri="{909E8E84-426E-40dd-AFC4-6F175D3DCCD1}">
-              <a14:hiddenFill xmlns="" xmlns:a14="http://schemas.microsoft.com/office/drawing/2010/main">
+              <a14:hiddenFill xmlns:a14="http://schemas.microsoft.com/office/drawing/2010/main" xmlns="">
                 <a:solidFill>
                   <a:srgbClr val="FFFFFF"/>
                 </a:solidFill>
               </a14:hiddenFill>
             </a:ext>
             <a:ext uri="{91240B29-F687-4f45-9708-019B960494DF}">
-              <a14:hiddenLine xmlns="" xmlns:a14="http://schemas.microsoft.com/office/drawing/2010/main" w="9525">
+              <a14:hiddenLine xmlns:a14="http://schemas.microsoft.com/office/drawing/2010/main" xmlns="" w="9525">
                 <a:solidFill>
                   <a:srgbClr val="000000"/>
                 </a:solidFill>
@@ -10333,14 +10473,14 @@
           </a:ln>
           <a:extLst>
             <a:ext uri="{909E8E84-426E-40dd-AFC4-6F175D3DCCD1}">
-              <a14:hiddenFill xmlns="" xmlns:a14="http://schemas.microsoft.com/office/drawing/2010/main">
+              <a14:hiddenFill xmlns:a14="http://schemas.microsoft.com/office/drawing/2010/main" xmlns="">
                 <a:solidFill>
                   <a:srgbClr val="FFFFFF"/>
                 </a:solidFill>
               </a14:hiddenFill>
             </a:ext>
             <a:ext uri="{91240B29-F687-4f45-9708-019B960494DF}">
-              <a14:hiddenLine xmlns="" xmlns:a14="http://schemas.microsoft.com/office/drawing/2010/main" w="9525">
+              <a14:hiddenLine xmlns:a14="http://schemas.microsoft.com/office/drawing/2010/main" xmlns="" w="9525">
                 <a:solidFill>
                   <a:srgbClr val="000000"/>
                 </a:solidFill>
@@ -10529,14 +10669,14 @@
           </a:ln>
           <a:extLst>
             <a:ext uri="{909E8E84-426E-40dd-AFC4-6F175D3DCCD1}">
-              <a14:hiddenFill xmlns="" xmlns:a14="http://schemas.microsoft.com/office/drawing/2010/main">
+              <a14:hiddenFill xmlns:a14="http://schemas.microsoft.com/office/drawing/2010/main" xmlns="">
                 <a:solidFill>
                   <a:srgbClr val="FFFFFF"/>
                 </a:solidFill>
               </a14:hiddenFill>
             </a:ext>
             <a:ext uri="{91240B29-F687-4f45-9708-019B960494DF}">
-              <a14:hiddenLine xmlns="" xmlns:a14="http://schemas.microsoft.com/office/drawing/2010/main" w="9525">
+              <a14:hiddenLine xmlns:a14="http://schemas.microsoft.com/office/drawing/2010/main" xmlns="" w="9525">
                 <a:solidFill>
                   <a:srgbClr val="000000"/>
                 </a:solidFill>
@@ -10725,14 +10865,14 @@
           </a:ln>
           <a:extLst>
             <a:ext uri="{909E8E84-426E-40dd-AFC4-6F175D3DCCD1}">
-              <a14:hiddenFill xmlns="" xmlns:a14="http://schemas.microsoft.com/office/drawing/2010/main">
+              <a14:hiddenFill xmlns:a14="http://schemas.microsoft.com/office/drawing/2010/main" xmlns="">
                 <a:solidFill>
                   <a:srgbClr val="FFFFFF"/>
                 </a:solidFill>
               </a14:hiddenFill>
             </a:ext>
             <a:ext uri="{91240B29-F687-4f45-9708-019B960494DF}">
-              <a14:hiddenLine xmlns="" xmlns:a14="http://schemas.microsoft.com/office/drawing/2010/main" w="9525">
+              <a14:hiddenLine xmlns:a14="http://schemas.microsoft.com/office/drawing/2010/main" xmlns="" w="9525">
                 <a:solidFill>
                   <a:srgbClr val="000000"/>
                 </a:solidFill>
@@ -10928,14 +11068,14 @@
           </a:ln>
           <a:extLst>
             <a:ext uri="{909E8E84-426E-40dd-AFC4-6F175D3DCCD1}">
-              <a14:hiddenFill xmlns="" xmlns:a14="http://schemas.microsoft.com/office/drawing/2010/main">
+              <a14:hiddenFill xmlns:a14="http://schemas.microsoft.com/office/drawing/2010/main" xmlns="">
                 <a:solidFill>
                   <a:srgbClr val="FFFFFF"/>
                 </a:solidFill>
               </a14:hiddenFill>
             </a:ext>
             <a:ext uri="{91240B29-F687-4f45-9708-019B960494DF}">
-              <a14:hiddenLine xmlns="" xmlns:a14="http://schemas.microsoft.com/office/drawing/2010/main" w="9525">
+              <a14:hiddenLine xmlns:a14="http://schemas.microsoft.com/office/drawing/2010/main" xmlns="" w="9525">
                 <a:solidFill>
                   <a:srgbClr val="000000"/>
                 </a:solidFill>
@@ -11124,14 +11264,14 @@
           </a:ln>
           <a:extLst>
             <a:ext uri="{909E8E84-426E-40dd-AFC4-6F175D3DCCD1}">
-              <a14:hiddenFill xmlns="" xmlns:a14="http://schemas.microsoft.com/office/drawing/2010/main">
+              <a14:hiddenFill xmlns:a14="http://schemas.microsoft.com/office/drawing/2010/main" xmlns="">
                 <a:solidFill>
                   <a:srgbClr val="FFFFFF"/>
                 </a:solidFill>
               </a14:hiddenFill>
             </a:ext>
             <a:ext uri="{91240B29-F687-4f45-9708-019B960494DF}">
-              <a14:hiddenLine xmlns="" xmlns:a14="http://schemas.microsoft.com/office/drawing/2010/main" w="9525">
+              <a14:hiddenLine xmlns:a14="http://schemas.microsoft.com/office/drawing/2010/main" xmlns="" w="9525">
                 <a:solidFill>
                   <a:srgbClr val="000000"/>
                 </a:solidFill>
@@ -11327,14 +11467,14 @@
           </a:ln>
           <a:extLst>
             <a:ext uri="{909E8E84-426E-40dd-AFC4-6F175D3DCCD1}">
-              <a14:hiddenFill xmlns="" xmlns:a14="http://schemas.microsoft.com/office/drawing/2010/main">
+              <a14:hiddenFill xmlns:a14="http://schemas.microsoft.com/office/drawing/2010/main" xmlns="">
                 <a:solidFill>
                   <a:srgbClr val="FFFFFF"/>
                 </a:solidFill>
               </a14:hiddenFill>
             </a:ext>
             <a:ext uri="{91240B29-F687-4f45-9708-019B960494DF}">
-              <a14:hiddenLine xmlns="" xmlns:a14="http://schemas.microsoft.com/office/drawing/2010/main" w="9525">
+              <a14:hiddenLine xmlns:a14="http://schemas.microsoft.com/office/drawing/2010/main" xmlns="" w="9525">
                 <a:solidFill>
                   <a:srgbClr val="000000"/>
                 </a:solidFill>
@@ -11530,14 +11670,14 @@
           </a:ln>
           <a:extLst>
             <a:ext uri="{909E8E84-426E-40dd-AFC4-6F175D3DCCD1}">
-              <a14:hiddenFill xmlns="" xmlns:a14="http://schemas.microsoft.com/office/drawing/2010/main">
+              <a14:hiddenFill xmlns:a14="http://schemas.microsoft.com/office/drawing/2010/main" xmlns="">
                 <a:solidFill>
                   <a:srgbClr val="FFFFFF"/>
                 </a:solidFill>
               </a14:hiddenFill>
             </a:ext>
             <a:ext uri="{91240B29-F687-4f45-9708-019B960494DF}">
-              <a14:hiddenLine xmlns="" xmlns:a14="http://schemas.microsoft.com/office/drawing/2010/main" w="9525">
+              <a14:hiddenLine xmlns:a14="http://schemas.microsoft.com/office/drawing/2010/main" xmlns="" w="9525">
                 <a:solidFill>
                   <a:srgbClr val="000000"/>
                 </a:solidFill>
@@ -12024,7 +12164,7 @@
           <a:effectLst/>
           <a:extLst>
             <a:ext uri="{909E8E84-426E-40dd-AFC4-6F175D3DCCD1}">
-              <a14:hiddenFill xmlns="" xmlns:a14="http://schemas.microsoft.com/office/drawing/2010/main">
+              <a14:hiddenFill xmlns:a14="http://schemas.microsoft.com/office/drawing/2010/main" xmlns="">
                 <a:blipFill dpi="0" rotWithShape="0">
                   <a:blip/>
                   <a:srcRect/>
@@ -12035,7 +12175,7 @@
               </a14:hiddenFill>
             </a:ext>
             <a:ext uri="{91240B29-F687-4f45-9708-019B960494DF}">
-              <a14:hiddenLine xmlns="" xmlns:a14="http://schemas.microsoft.com/office/drawing/2010/main" w="9525" cap="flat">
+              <a14:hiddenLine xmlns:a14="http://schemas.microsoft.com/office/drawing/2010/main" xmlns="" w="9525" cap="flat">
                 <a:solidFill>
                   <a:srgbClr val="3465A4"/>
                 </a:solidFill>
@@ -12045,7 +12185,7 @@
               </a14:hiddenLine>
             </a:ext>
             <a:ext uri="{AF507438-7753-43e0-B8FC-AC1667EBCBE1}">
-              <a14:hiddenEffects xmlns="" xmlns:a14="http://schemas.microsoft.com/office/drawing/2010/main">
+              <a14:hiddenEffects xmlns:a14="http://schemas.microsoft.com/office/drawing/2010/main" xmlns="">
                 <a:effectLst>
                   <a:outerShdw blurRad="63500" dist="38099" dir="2700000" algn="ctr" rotWithShape="0">
                     <a:srgbClr val="000000">
@@ -12094,7 +12234,7 @@
           <a:effectLst/>
           <a:extLst>
             <a:ext uri="{909E8E84-426E-40dd-AFC4-6F175D3DCCD1}">
-              <a14:hiddenFill xmlns="" xmlns:a14="http://schemas.microsoft.com/office/drawing/2010/main">
+              <a14:hiddenFill xmlns:a14="http://schemas.microsoft.com/office/drawing/2010/main" xmlns="">
                 <a:blipFill dpi="0" rotWithShape="0">
                   <a:blip/>
                   <a:srcRect/>
@@ -12105,7 +12245,7 @@
               </a14:hiddenFill>
             </a:ext>
             <a:ext uri="{91240B29-F687-4f45-9708-019B960494DF}">
-              <a14:hiddenLine xmlns="" xmlns:a14="http://schemas.microsoft.com/office/drawing/2010/main" w="9525" cap="flat">
+              <a14:hiddenLine xmlns:a14="http://schemas.microsoft.com/office/drawing/2010/main" xmlns="" w="9525" cap="flat">
                 <a:solidFill>
                   <a:srgbClr val="3465A4"/>
                 </a:solidFill>
@@ -12115,7 +12255,7 @@
               </a14:hiddenLine>
             </a:ext>
             <a:ext uri="{AF507438-7753-43e0-B8FC-AC1667EBCBE1}">
-              <a14:hiddenEffects xmlns="" xmlns:a14="http://schemas.microsoft.com/office/drawing/2010/main">
+              <a14:hiddenEffects xmlns:a14="http://schemas.microsoft.com/office/drawing/2010/main" xmlns="">
                 <a:effectLst>
                   <a:outerShdw blurRad="63500" dist="38099" dir="2700000" algn="ctr" rotWithShape="0">
                     <a:srgbClr val="000000">
@@ -12156,12 +12296,12 @@
           <a:effectLst/>
           <a:extLst>
             <a:ext uri="{909E8E84-426E-40dd-AFC4-6F175D3DCCD1}">
-              <a14:hiddenFill xmlns="" xmlns:a14="http://schemas.microsoft.com/office/drawing/2010/main">
+              <a14:hiddenFill xmlns:a14="http://schemas.microsoft.com/office/drawing/2010/main" xmlns="">
                 <a:noFill/>
               </a14:hiddenFill>
             </a:ext>
             <a:ext uri="{AF507438-7753-43e0-B8FC-AC1667EBCBE1}">
-              <a14:hiddenEffects xmlns="" xmlns:a14="http://schemas.microsoft.com/office/drawing/2010/main">
+              <a14:hiddenEffects xmlns:a14="http://schemas.microsoft.com/office/drawing/2010/main" xmlns="">
                 <a:effectLst>
                   <a:outerShdw blurRad="63500" dist="38099" dir="2700000" algn="ctr" rotWithShape="0">
                     <a:srgbClr val="000000">
@@ -12204,14 +12344,14 @@
           <a:effectLst/>
           <a:extLst>
             <a:ext uri="{909E8E84-426E-40dd-AFC4-6F175D3DCCD1}">
-              <a14:hiddenFill xmlns="" xmlns:a14="http://schemas.microsoft.com/office/drawing/2010/main">
+              <a14:hiddenFill xmlns:a14="http://schemas.microsoft.com/office/drawing/2010/main" xmlns="">
                 <a:solidFill>
                   <a:srgbClr val="FFFFFF"/>
                 </a:solidFill>
               </a14:hiddenFill>
             </a:ext>
             <a:ext uri="{91240B29-F687-4f45-9708-019B960494DF}">
-              <a14:hiddenLine xmlns="" xmlns:a14="http://schemas.microsoft.com/office/drawing/2010/main" w="9525" cap="flat">
+              <a14:hiddenLine xmlns:a14="http://schemas.microsoft.com/office/drawing/2010/main" xmlns="" w="9525" cap="flat">
                 <a:solidFill>
                   <a:srgbClr val="000000"/>
                 </a:solidFill>
@@ -12221,7 +12361,7 @@
               </a14:hiddenLine>
             </a:ext>
             <a:ext uri="{AF507438-7753-43e0-B8FC-AC1667EBCBE1}">
-              <a14:hiddenEffects xmlns="" xmlns:a14="http://schemas.microsoft.com/office/drawing/2010/main">
+              <a14:hiddenEffects xmlns:a14="http://schemas.microsoft.com/office/drawing/2010/main" xmlns="">
                 <a:effectLst>
                   <a:outerShdw blurRad="63500" dist="38099" dir="2700000" algn="ctr" rotWithShape="0">
                     <a:srgbClr val="000000">
@@ -12537,7 +12677,7 @@
           <a:effectLst/>
           <a:extLst>
             <a:ext uri="{909E8E84-426E-40dd-AFC4-6F175D3DCCD1}">
-              <a14:hiddenFill xmlns="" xmlns:a14="http://schemas.microsoft.com/office/drawing/2010/main">
+              <a14:hiddenFill xmlns:a14="http://schemas.microsoft.com/office/drawing/2010/main" xmlns="">
                 <a:blipFill dpi="0" rotWithShape="0">
                   <a:blip/>
                   <a:srcRect/>
@@ -12548,7 +12688,7 @@
               </a14:hiddenFill>
             </a:ext>
             <a:ext uri="{91240B29-F687-4f45-9708-019B960494DF}">
-              <a14:hiddenLine xmlns="" xmlns:a14="http://schemas.microsoft.com/office/drawing/2010/main" w="9525" cap="flat">
+              <a14:hiddenLine xmlns:a14="http://schemas.microsoft.com/office/drawing/2010/main" xmlns="" w="9525" cap="flat">
                 <a:solidFill>
                   <a:srgbClr val="3465A4"/>
                 </a:solidFill>
@@ -12558,7 +12698,7 @@
               </a14:hiddenLine>
             </a:ext>
             <a:ext uri="{AF507438-7753-43e0-B8FC-AC1667EBCBE1}">
-              <a14:hiddenEffects xmlns="" xmlns:a14="http://schemas.microsoft.com/office/drawing/2010/main">
+              <a14:hiddenEffects xmlns:a14="http://schemas.microsoft.com/office/drawing/2010/main" xmlns="">
                 <a:effectLst>
                   <a:outerShdw blurRad="63500" dist="38099" dir="2700000" algn="ctr" rotWithShape="0">
                     <a:srgbClr val="000000">
@@ -12607,7 +12747,7 @@
           <a:effectLst/>
           <a:extLst>
             <a:ext uri="{909E8E84-426E-40dd-AFC4-6F175D3DCCD1}">
-              <a14:hiddenFill xmlns="" xmlns:a14="http://schemas.microsoft.com/office/drawing/2010/main">
+              <a14:hiddenFill xmlns:a14="http://schemas.microsoft.com/office/drawing/2010/main" xmlns="">
                 <a:blipFill dpi="0" rotWithShape="0">
                   <a:blip/>
                   <a:srcRect/>
@@ -12618,7 +12758,7 @@
               </a14:hiddenFill>
             </a:ext>
             <a:ext uri="{91240B29-F687-4f45-9708-019B960494DF}">
-              <a14:hiddenLine xmlns="" xmlns:a14="http://schemas.microsoft.com/office/drawing/2010/main" w="9525" cap="flat">
+              <a14:hiddenLine xmlns:a14="http://schemas.microsoft.com/office/drawing/2010/main" xmlns="" w="9525" cap="flat">
                 <a:solidFill>
                   <a:srgbClr val="3465A4"/>
                 </a:solidFill>
@@ -12628,7 +12768,7 @@
               </a14:hiddenLine>
             </a:ext>
             <a:ext uri="{AF507438-7753-43e0-B8FC-AC1667EBCBE1}">
-              <a14:hiddenEffects xmlns="" xmlns:a14="http://schemas.microsoft.com/office/drawing/2010/main">
+              <a14:hiddenEffects xmlns:a14="http://schemas.microsoft.com/office/drawing/2010/main" xmlns="">
                 <a:effectLst>
                   <a:outerShdw blurRad="63500" dist="38099" dir="2700000" algn="ctr" rotWithShape="0">
                     <a:srgbClr val="000000">
@@ -12664,14 +12804,14 @@
           <a:effectLst/>
           <a:extLst>
             <a:ext uri="{909E8E84-426E-40dd-AFC4-6F175D3DCCD1}">
-              <a14:hiddenFill xmlns="" xmlns:a14="http://schemas.microsoft.com/office/drawing/2010/main">
+              <a14:hiddenFill xmlns:a14="http://schemas.microsoft.com/office/drawing/2010/main" xmlns="">
                 <a:solidFill>
                   <a:srgbClr val="FFFFFF"/>
                 </a:solidFill>
               </a14:hiddenFill>
             </a:ext>
             <a:ext uri="{91240B29-F687-4f45-9708-019B960494DF}">
-              <a14:hiddenLine xmlns="" xmlns:a14="http://schemas.microsoft.com/office/drawing/2010/main" w="9525" cap="flat">
+              <a14:hiddenLine xmlns:a14="http://schemas.microsoft.com/office/drawing/2010/main" xmlns="" w="9525" cap="flat">
                 <a:solidFill>
                   <a:srgbClr val="000000"/>
                 </a:solidFill>
@@ -12681,7 +12821,7 @@
               </a14:hiddenLine>
             </a:ext>
             <a:ext uri="{AF507438-7753-43e0-B8FC-AC1667EBCBE1}">
-              <a14:hiddenEffects xmlns="" xmlns:a14="http://schemas.microsoft.com/office/drawing/2010/main">
+              <a14:hiddenEffects xmlns:a14="http://schemas.microsoft.com/office/drawing/2010/main" xmlns="">
                 <a:effectLst>
                   <a:outerShdw blurRad="63500" dist="38099" dir="2700000" algn="ctr" rotWithShape="0">
                     <a:srgbClr val="000000">
@@ -13003,14 +13143,14 @@
           <a:effectLst/>
           <a:extLst>
             <a:ext uri="{909E8E84-426E-40dd-AFC4-6F175D3DCCD1}">
-              <a14:hiddenFill xmlns="" xmlns:a14="http://schemas.microsoft.com/office/drawing/2010/main">
+              <a14:hiddenFill xmlns:a14="http://schemas.microsoft.com/office/drawing/2010/main" xmlns="">
                 <a:solidFill>
                   <a:srgbClr val="FFFFFF"/>
                 </a:solidFill>
               </a14:hiddenFill>
             </a:ext>
             <a:ext uri="{91240B29-F687-4f45-9708-019B960494DF}">
-              <a14:hiddenLine xmlns="" xmlns:a14="http://schemas.microsoft.com/office/drawing/2010/main" w="9525" cap="flat">
+              <a14:hiddenLine xmlns:a14="http://schemas.microsoft.com/office/drawing/2010/main" xmlns="" w="9525" cap="flat">
                 <a:solidFill>
                   <a:srgbClr val="000000"/>
                 </a:solidFill>
@@ -13020,7 +13160,7 @@
               </a14:hiddenLine>
             </a:ext>
             <a:ext uri="{AF507438-7753-43e0-B8FC-AC1667EBCBE1}">
-              <a14:hiddenEffects xmlns="" xmlns:a14="http://schemas.microsoft.com/office/drawing/2010/main">
+              <a14:hiddenEffects xmlns:a14="http://schemas.microsoft.com/office/drawing/2010/main" xmlns="">
                 <a:effectLst>
                   <a:outerShdw blurRad="63500" dist="38099" dir="2700000" algn="ctr" rotWithShape="0">
                     <a:srgbClr val="000000">
